--- a/(パワーポイント)Syncableという寄付サイトに集まった金額から需要を予測.pptx
+++ b/(パワーポイント)Syncableという寄付サイトに集まった金額から需要を予測.pptx
@@ -317,7 +317,7 @@
           <a:p>
             <a:fld id="{B6BF7101-3971-4098-B2A1-0CBD5D5942B2}" type="datetimeFigureOut">
               <a:rPr kumimoji="1" lang="ja-JP" altLang="en-US" smtClean="0"/>
-              <a:t>2025/6/16</a:t>
+              <a:t>2025/6/17</a:t>
             </a:fld>
             <a:endParaRPr kumimoji="1" lang="ja-JP" altLang="en-US"/>
           </a:p>
@@ -655,7 +655,7 @@
           <a:p>
             <a:fld id="{B6BF7101-3971-4098-B2A1-0CBD5D5942B2}" type="datetimeFigureOut">
               <a:rPr kumimoji="1" lang="ja-JP" altLang="en-US" smtClean="0"/>
-              <a:t>2025/6/16</a:t>
+              <a:t>2025/6/17</a:t>
             </a:fld>
             <a:endParaRPr kumimoji="1" lang="ja-JP" altLang="en-US"/>
           </a:p>
@@ -1056,7 +1056,7 @@
           <a:p>
             <a:fld id="{B6BF7101-3971-4098-B2A1-0CBD5D5942B2}" type="datetimeFigureOut">
               <a:rPr kumimoji="1" lang="ja-JP" altLang="en-US" smtClean="0"/>
-              <a:t>2025/6/16</a:t>
+              <a:t>2025/6/17</a:t>
             </a:fld>
             <a:endParaRPr kumimoji="1" lang="ja-JP" altLang="en-US"/>
           </a:p>
@@ -1392,7 +1392,7 @@
           <a:p>
             <a:fld id="{B6BF7101-3971-4098-B2A1-0CBD5D5942B2}" type="datetimeFigureOut">
               <a:rPr kumimoji="1" lang="ja-JP" altLang="en-US" smtClean="0"/>
-              <a:t>2025/6/16</a:t>
+              <a:t>2025/6/17</a:t>
             </a:fld>
             <a:endParaRPr kumimoji="1" lang="ja-JP" altLang="en-US"/>
           </a:p>
@@ -1712,7 +1712,7 @@
           <a:p>
             <a:fld id="{B6BF7101-3971-4098-B2A1-0CBD5D5942B2}" type="datetimeFigureOut">
               <a:rPr kumimoji="1" lang="ja-JP" altLang="en-US" smtClean="0"/>
-              <a:t>2025/6/16</a:t>
+              <a:t>2025/6/17</a:t>
             </a:fld>
             <a:endParaRPr kumimoji="1" lang="ja-JP" altLang="en-US"/>
           </a:p>
@@ -2108,7 +2108,7 @@
           <a:p>
             <a:fld id="{B6BF7101-3971-4098-B2A1-0CBD5D5942B2}" type="datetimeFigureOut">
               <a:rPr kumimoji="1" lang="ja-JP" altLang="en-US" smtClean="0"/>
-              <a:t>2025/6/16</a:t>
+              <a:t>2025/6/17</a:t>
             </a:fld>
             <a:endParaRPr kumimoji="1" lang="ja-JP" altLang="en-US"/>
           </a:p>
@@ -2397,7 +2397,7 @@
           <a:p>
             <a:fld id="{B6BF7101-3971-4098-B2A1-0CBD5D5942B2}" type="datetimeFigureOut">
               <a:rPr kumimoji="1" lang="ja-JP" altLang="en-US" smtClean="0"/>
-              <a:t>2025/6/16</a:t>
+              <a:t>2025/6/17</a:t>
             </a:fld>
             <a:endParaRPr kumimoji="1" lang="ja-JP" altLang="en-US"/>
           </a:p>
@@ -2691,7 +2691,7 @@
           <a:p>
             <a:fld id="{B6BF7101-3971-4098-B2A1-0CBD5D5942B2}" type="datetimeFigureOut">
               <a:rPr kumimoji="1" lang="ja-JP" altLang="en-US" smtClean="0"/>
-              <a:t>2025/6/16</a:t>
+              <a:t>2025/6/17</a:t>
             </a:fld>
             <a:endParaRPr kumimoji="1" lang="ja-JP" altLang="en-US"/>
           </a:p>
@@ -2985,7 +2985,7 @@
           <a:p>
             <a:fld id="{B6BF7101-3971-4098-B2A1-0CBD5D5942B2}" type="datetimeFigureOut">
               <a:rPr kumimoji="1" lang="ja-JP" altLang="en-US" smtClean="0"/>
-              <a:t>2025/6/16</a:t>
+              <a:t>2025/6/17</a:t>
             </a:fld>
             <a:endParaRPr kumimoji="1" lang="ja-JP" altLang="en-US"/>
           </a:p>
@@ -3314,7 +3314,7 @@
           <a:p>
             <a:fld id="{B6BF7101-3971-4098-B2A1-0CBD5D5942B2}" type="datetimeFigureOut">
               <a:rPr kumimoji="1" lang="ja-JP" altLang="en-US" smtClean="0"/>
-              <a:t>2025/6/16</a:t>
+              <a:t>2025/6/17</a:t>
             </a:fld>
             <a:endParaRPr kumimoji="1" lang="ja-JP" altLang="en-US"/>
           </a:p>
@@ -3701,7 +3701,7 @@
           <a:p>
             <a:fld id="{B6BF7101-3971-4098-B2A1-0CBD5D5942B2}" type="datetimeFigureOut">
               <a:rPr kumimoji="1" lang="ja-JP" altLang="en-US" smtClean="0"/>
-              <a:t>2025/6/16</a:t>
+              <a:t>2025/6/17</a:t>
             </a:fld>
             <a:endParaRPr kumimoji="1" lang="ja-JP" altLang="en-US"/>
           </a:p>
@@ -4222,7 +4222,7 @@
           <a:p>
             <a:fld id="{B6BF7101-3971-4098-B2A1-0CBD5D5942B2}" type="datetimeFigureOut">
               <a:rPr kumimoji="1" lang="ja-JP" altLang="en-US" smtClean="0"/>
-              <a:t>2025/6/16</a:t>
+              <a:t>2025/6/17</a:t>
             </a:fld>
             <a:endParaRPr kumimoji="1" lang="ja-JP" altLang="en-US"/>
           </a:p>
@@ -4427,7 +4427,7 @@
           <a:p>
             <a:fld id="{B6BF7101-3971-4098-B2A1-0CBD5D5942B2}" type="datetimeFigureOut">
               <a:rPr kumimoji="1" lang="ja-JP" altLang="en-US" smtClean="0"/>
-              <a:t>2025/6/16</a:t>
+              <a:t>2025/6/17</a:t>
             </a:fld>
             <a:endParaRPr kumimoji="1" lang="ja-JP" altLang="en-US"/>
           </a:p>
@@ -4604,7 +4604,7 @@
           <a:p>
             <a:fld id="{B6BF7101-3971-4098-B2A1-0CBD5D5942B2}" type="datetimeFigureOut">
               <a:rPr kumimoji="1" lang="ja-JP" altLang="en-US" smtClean="0"/>
-              <a:t>2025/6/16</a:t>
+              <a:t>2025/6/17</a:t>
             </a:fld>
             <a:endParaRPr kumimoji="1" lang="ja-JP" altLang="en-US"/>
           </a:p>
@@ -4969,7 +4969,7 @@
           <a:p>
             <a:fld id="{B6BF7101-3971-4098-B2A1-0CBD5D5942B2}" type="datetimeFigureOut">
               <a:rPr kumimoji="1" lang="ja-JP" altLang="en-US" smtClean="0"/>
-              <a:t>2025/6/16</a:t>
+              <a:t>2025/6/17</a:t>
             </a:fld>
             <a:endParaRPr kumimoji="1" lang="ja-JP" altLang="en-US"/>
           </a:p>
@@ -5314,7 +5314,7 @@
           <a:p>
             <a:fld id="{B6BF7101-3971-4098-B2A1-0CBD5D5942B2}" type="datetimeFigureOut">
               <a:rPr kumimoji="1" lang="ja-JP" altLang="en-US" smtClean="0"/>
-              <a:t>2025/6/16</a:t>
+              <a:t>2025/6/17</a:t>
             </a:fld>
             <a:endParaRPr kumimoji="1" lang="ja-JP" altLang="en-US"/>
           </a:p>
@@ -7463,7 +7463,7 @@
           <a:p>
             <a:fld id="{B6BF7101-3971-4098-B2A1-0CBD5D5942B2}" type="datetimeFigureOut">
               <a:rPr kumimoji="1" lang="ja-JP" altLang="en-US" smtClean="0"/>
-              <a:t>2025/6/16</a:t>
+              <a:t>2025/6/17</a:t>
             </a:fld>
             <a:endParaRPr kumimoji="1" lang="ja-JP" altLang="en-US"/>
           </a:p>
@@ -8458,7 +8458,7 @@
         <p:spPr>
           <a:xfrm>
             <a:off x="2008909" y="4512071"/>
-            <a:ext cx="8174182" cy="1569660"/>
+            <a:ext cx="8174182" cy="2308324"/>
           </a:xfrm>
           <a:prstGeom prst="rect">
             <a:avLst/>
@@ -8519,7 +8519,17 @@
             </a:r>
             <a:r>
               <a:rPr kumimoji="1" lang="ja-JP" altLang="en-US" sz="2400" dirty="0"/>
-              <a:t>に取得したもの）</a:t>
+              <a:t>に取得したもので全て自作のスクレイピングツールで</a:t>
+            </a:r>
+            <a:r>
+              <a:rPr kumimoji="1" lang="en-US" altLang="ja-JP" sz="2400" dirty="0">
+                <a:hlinkClick r:id="rId3"/>
+              </a:rPr>
+              <a:t>https://syncable.biz/</a:t>
+            </a:r>
+            <a:r>
+              <a:rPr kumimoji="1" lang="ja-JP" altLang="en-US" sz="2400"/>
+              <a:t>から取ってきました）</a:t>
             </a:r>
             <a:endParaRPr kumimoji="1" lang="en-US" altLang="ja-JP" sz="2400" dirty="0"/>
           </a:p>
